--- a/Final project Data/Final Project Presentation.pptx
+++ b/Final project Data/Final Project Presentation.pptx
@@ -5,7 +5,7 @@
     <p:sldMasterId id="2147483749" r:id="rId1"/>
   </p:sldMasterIdLst>
   <p:notesMasterIdLst>
-    <p:notesMasterId r:id="rId20"/>
+    <p:notesMasterId r:id="rId18"/>
   </p:notesMasterIdLst>
   <p:sldIdLst>
     <p:sldId id="257" r:id="rId2"/>
@@ -18,14 +18,12 @@
     <p:sldId id="264" r:id="rId9"/>
     <p:sldId id="265" r:id="rId10"/>
     <p:sldId id="266" r:id="rId11"/>
-    <p:sldId id="267" r:id="rId12"/>
-    <p:sldId id="268" r:id="rId13"/>
-    <p:sldId id="269" r:id="rId14"/>
-    <p:sldId id="270" r:id="rId15"/>
-    <p:sldId id="271" r:id="rId16"/>
-    <p:sldId id="272" r:id="rId17"/>
-    <p:sldId id="273" r:id="rId18"/>
-    <p:sldId id="274" r:id="rId19"/>
+    <p:sldId id="270" r:id="rId12"/>
+    <p:sldId id="271" r:id="rId13"/>
+    <p:sldId id="275" r:id="rId14"/>
+    <p:sldId id="272" r:id="rId15"/>
+    <p:sldId id="273" r:id="rId16"/>
+    <p:sldId id="274" r:id="rId17"/>
   </p:sldIdLst>
   <p:sldSz cx="12192000" cy="6858000"/>
   <p:notesSz cx="6858000" cy="9144000"/>
@@ -124,6 +122,11 @@
       </a:defRPr>
     </a:lvl9pPr>
   </p:defaultTextStyle>
+  <p:extLst>
+    <p:ext uri="{EFAFB233-063F-42B5-8137-9DF3F51BA10A}">
+      <p15:sldGuideLst xmlns:p15="http://schemas.microsoft.com/office/powerpoint/2012/main"/>
+    </p:ext>
+  </p:extLst>
 </p:presentation>
 </file>
 
@@ -209,7 +212,7 @@
           <a:p>
             <a:fld id="{7210D002-3EEC-44C5-9A92-D9BC450185F3}" type="datetimeFigureOut">
               <a:rPr lang="en-US" smtClean="0"/>
-              <a:t>12/16/2020</a:t>
+              <a:t>12/17/2020</a:t>
             </a:fld>
             <a:endParaRPr lang="en-US"/>
           </a:p>
@@ -1377,7 +1380,7 @@
           <a:p>
             <a:fld id="{D6D0F569-AC90-44EB-9EF4-4E5C2F5D823C}" type="datetime1">
               <a:rPr lang="en-US" smtClean="0"/>
-              <a:t>12/16/2020</a:t>
+              <a:t>12/17/2020</a:t>
             </a:fld>
             <a:endParaRPr lang="en-US" dirty="0"/>
           </a:p>
@@ -1633,7 +1636,7 @@
             <a:fld id="{5ECD8B30-1B71-45A1-8314-D59C86F581E1}" type="datetime1">
               <a:rPr lang="en-US" smtClean="0"/>
               <a:pPr/>
-              <a:t>12/16/2020</a:t>
+              <a:t>12/17/2020</a:t>
             </a:fld>
             <a:endParaRPr lang="en-US" b="1" dirty="0"/>
           </a:p>
@@ -1954,7 +1957,7 @@
             <a:fld id="{5ECD8B30-1B71-45A1-8314-D59C86F581E1}" type="datetime1">
               <a:rPr lang="en-US" smtClean="0"/>
               <a:pPr/>
-              <a:t>12/16/2020</a:t>
+              <a:t>12/17/2020</a:t>
             </a:fld>
             <a:endParaRPr lang="en-US" b="1" dirty="0"/>
           </a:p>
@@ -2302,7 +2305,7 @@
             <a:fld id="{5ECD8B30-1B71-45A1-8314-D59C86F581E1}" type="datetime1">
               <a:rPr lang="en-US" smtClean="0"/>
               <a:pPr/>
-              <a:t>12/16/2020</a:t>
+              <a:t>12/17/2020</a:t>
             </a:fld>
             <a:endParaRPr lang="en-US" b="1" dirty="0"/>
           </a:p>
@@ -2623,7 +2626,7 @@
             <a:fld id="{5ECD8B30-1B71-45A1-8314-D59C86F581E1}" type="datetime1">
               <a:rPr lang="en-US" smtClean="0"/>
               <a:pPr/>
-              <a:t>12/16/2020</a:t>
+              <a:t>12/17/2020</a:t>
             </a:fld>
             <a:endParaRPr lang="en-US" b="1" dirty="0"/>
           </a:p>
@@ -3023,7 +3026,7 @@
             <a:fld id="{5ECD8B30-1B71-45A1-8314-D59C86F581E1}" type="datetime1">
               <a:rPr lang="en-US" smtClean="0"/>
               <a:pPr/>
-              <a:t>12/16/2020</a:t>
+              <a:t>12/17/2020</a:t>
             </a:fld>
             <a:endParaRPr lang="en-US" b="1" dirty="0"/>
           </a:p>
@@ -3199,7 +3202,7 @@
           <a:p>
             <a:fld id="{46BA7D41-E8B7-4A0B-B861-3EC4AE88917D}" type="datetime1">
               <a:rPr lang="en-US" smtClean="0"/>
-              <a:t>12/16/2020</a:t>
+              <a:t>12/17/2020</a:t>
             </a:fld>
             <a:endParaRPr lang="en-US" dirty="0"/>
           </a:p>
@@ -3383,7 +3386,7 @@
           <a:p>
             <a:fld id="{A7C34823-0B19-4B4E-A643-7A3B0A3D24D6}" type="datetime1">
               <a:rPr lang="en-US" smtClean="0"/>
-              <a:t>12/16/2020</a:t>
+              <a:t>12/17/2020</a:t>
             </a:fld>
             <a:endParaRPr lang="en-US" dirty="0"/>
           </a:p>
@@ -3563,7 +3566,7 @@
           <a:p>
             <a:fld id="{8C2D79EF-17C8-45D8-9866-DAF5723FC604}" type="datetime1">
               <a:rPr lang="en-US" smtClean="0"/>
-              <a:t>12/16/2020</a:t>
+              <a:t>12/17/2020</a:t>
             </a:fld>
             <a:endParaRPr lang="en-US" dirty="0"/>
           </a:p>
@@ -3814,7 +3817,7 @@
           <a:p>
             <a:fld id="{DFFC2ADC-3680-4013-A757-E4663495DB98}" type="datetime1">
               <a:rPr lang="en-US" smtClean="0"/>
-              <a:t>12/16/2020</a:t>
+              <a:t>12/17/2020</a:t>
             </a:fld>
             <a:endParaRPr lang="en-US" dirty="0"/>
           </a:p>
@@ -4050,7 +4053,7 @@
           <a:p>
             <a:fld id="{4751BA94-5DCA-4F19-960F-0FB2BD5EE85A}" type="datetime1">
               <a:rPr lang="en-US" smtClean="0"/>
-              <a:t>12/16/2020</a:t>
+              <a:t>12/17/2020</a:t>
             </a:fld>
             <a:endParaRPr lang="en-US" dirty="0"/>
           </a:p>
@@ -4428,7 +4431,7 @@
           <a:p>
             <a:fld id="{01BED947-38D9-44AC-8B89-E79758333B77}" type="datetime1">
               <a:rPr lang="en-US" smtClean="0"/>
-              <a:t>12/16/2020</a:t>
+              <a:t>12/17/2020</a:t>
             </a:fld>
             <a:endParaRPr lang="en-US" dirty="0"/>
           </a:p>
@@ -4555,7 +4558,7 @@
           <a:p>
             <a:fld id="{3781E23F-BD3C-4F23-B116-2B758120C8AC}" type="datetime1">
               <a:rPr lang="en-US" smtClean="0"/>
-              <a:t>12/16/2020</a:t>
+              <a:t>12/17/2020</a:t>
             </a:fld>
             <a:endParaRPr lang="en-US" dirty="0"/>
           </a:p>
@@ -4654,7 +4657,7 @@
           <a:p>
             <a:fld id="{473CFAA9-6D59-4D98-869E-ACBDB83B2CA4}" type="datetime1">
               <a:rPr lang="en-US" smtClean="0"/>
-              <a:t>12/16/2020</a:t>
+              <a:t>12/17/2020</a:t>
             </a:fld>
             <a:endParaRPr lang="en-US"/>
           </a:p>
@@ -4913,7 +4916,7 @@
           <a:p>
             <a:fld id="{DC410804-27E3-430A-BB42-B831260DE39A}" type="datetime1">
               <a:rPr lang="en-US" smtClean="0"/>
-              <a:t>12/16/2020</a:t>
+              <a:t>12/17/2020</a:t>
             </a:fld>
             <a:endParaRPr lang="en-US" dirty="0"/>
           </a:p>
@@ -5180,7 +5183,7 @@
           <a:p>
             <a:fld id="{60E22DE3-3D1A-4D53-B9A6-6C7463B8C992}" type="datetime1">
               <a:rPr lang="en-US" smtClean="0"/>
-              <a:t>12/16/2020</a:t>
+              <a:t>12/17/2020</a:t>
             </a:fld>
             <a:endParaRPr lang="en-US" dirty="0"/>
           </a:p>
@@ -5928,7 +5931,7 @@
             <a:fld id="{5ECD8B30-1B71-45A1-8314-D59C86F581E1}" type="datetime1">
               <a:rPr lang="en-US" smtClean="0"/>
               <a:pPr/>
-              <a:t>12/16/2020</a:t>
+              <a:t>12/17/2020</a:t>
             </a:fld>
             <a:endParaRPr lang="en-US" b="1" dirty="0"/>
           </a:p>
@@ -7575,7 +7578,12 @@
             <p:ph idx="1"/>
           </p:nvPr>
         </p:nvSpPr>
-        <p:spPr/>
+        <p:spPr>
+          <a:xfrm>
+            <a:off x="741989" y="1477098"/>
+            <a:ext cx="8596668" cy="4508066"/>
+          </a:xfrm>
+        </p:spPr>
         <p:txBody>
           <a:bodyPr/>
           <a:lstStyle/>
@@ -7594,19 +7602,82 @@
             </a:r>
           </a:p>
           <a:p>
-            <a:endParaRPr lang="en-US" dirty="0"/>
-          </a:p>
-          <a:p>
-            <a:endParaRPr lang="en-US" dirty="0"/>
-          </a:p>
-          <a:p>
-            <a:endParaRPr lang="en-US" dirty="0"/>
-          </a:p>
-          <a:p>
             <a:r>
               <a:rPr lang="en-US" dirty="0"/>
               <a:t>63.2%</a:t>
             </a:r>
+          </a:p>
+          <a:p>
+            <a:r>
+              <a:rPr lang="en-US" dirty="0"/>
+              <a:t>Q2: What's the rate of the employees that have 'education' higher than 2 and '</a:t>
+            </a:r>
+            <a:r>
+              <a:rPr lang="en-US" dirty="0" err="1"/>
+              <a:t>YearsAtCompany</a:t>
+            </a:r>
+            <a:r>
+              <a:rPr lang="en-US" dirty="0"/>
+              <a:t>' over than5?</a:t>
+            </a:r>
+          </a:p>
+          <a:p>
+            <a:r>
+              <a:rPr lang="en-US" dirty="0"/>
+              <a:t>53.78%</a:t>
+            </a:r>
+          </a:p>
+          <a:p>
+            <a:r>
+              <a:rPr lang="en-US" dirty="0"/>
+              <a:t>Q3 What's the rate of those attrition employees whose '</a:t>
+            </a:r>
+            <a:r>
+              <a:rPr lang="en-US" dirty="0" err="1"/>
+              <a:t>MaritalStatus</a:t>
+            </a:r>
+            <a:r>
+              <a:rPr lang="en-US" dirty="0"/>
+              <a:t>' are single?</a:t>
+            </a:r>
+          </a:p>
+          <a:p>
+            <a:r>
+              <a:rPr lang="en-US" dirty="0"/>
+              <a:t>52.51%</a:t>
+            </a:r>
+          </a:p>
+          <a:p>
+            <a:r>
+              <a:rPr lang="en-US" dirty="0"/>
+              <a:t>Q4 what's the rate of those attrition employees whose '</a:t>
+            </a:r>
+            <a:r>
+              <a:rPr lang="en-US" dirty="0" err="1"/>
+              <a:t>EnvironmentSatisfaction</a:t>
+            </a:r>
+            <a:r>
+              <a:rPr lang="en-US" dirty="0"/>
+              <a:t>' are lower than 3?</a:t>
+            </a:r>
+          </a:p>
+          <a:p>
+            <a:r>
+              <a:rPr lang="en-US" dirty="0"/>
+              <a:t>77.65%</a:t>
+            </a:r>
+          </a:p>
+          <a:p>
+            <a:endParaRPr lang="en-US" dirty="0"/>
+          </a:p>
+          <a:p>
+            <a:endParaRPr lang="en-US" dirty="0"/>
+          </a:p>
+          <a:p>
+            <a:endParaRPr lang="en-US" dirty="0"/>
+          </a:p>
+          <a:p>
+            <a:endParaRPr lang="en-US" dirty="0"/>
           </a:p>
         </p:txBody>
       </p:sp>
@@ -7645,7 +7716,7 @@
           <p:cNvPr id="2" name="Title 1">
             <a:extLst>
               <a:ext uri="{FF2B5EF4-FFF2-40B4-BE49-F238E27FC236}">
-                <a16:creationId xmlns:a16="http://schemas.microsoft.com/office/drawing/2014/main" id="{9A46CB34-7B88-4269-A879-12080324584F}"/>
+                <a16:creationId xmlns:a16="http://schemas.microsoft.com/office/drawing/2014/main" id="{121677D3-8FD1-4E27-AA00-5027C475E339}"/>
               </a:ext>
             </a:extLst>
           </p:cNvPr>
@@ -7673,7 +7744,7 @@
           <p:cNvPr id="3" name="Content Placeholder 2">
             <a:extLst>
               <a:ext uri="{FF2B5EF4-FFF2-40B4-BE49-F238E27FC236}">
-                <a16:creationId xmlns:a16="http://schemas.microsoft.com/office/drawing/2014/main" id="{DFDB5CBC-969A-42F4-912A-50C1A67B1F60}"/>
+                <a16:creationId xmlns:a16="http://schemas.microsoft.com/office/drawing/2014/main" id="{C538FB92-36AC-46BE-B7A2-775C09C32E1B}"/>
               </a:ext>
             </a:extLst>
           </p:cNvPr>
@@ -7686,35 +7757,37 @@
         </p:nvSpPr>
         <p:spPr/>
         <p:txBody>
-          <a:bodyPr/>
+          <a:bodyPr>
+            <a:normAutofit/>
+          </a:bodyPr>
           <a:lstStyle/>
           <a:p>
             <a:r>
               <a:rPr lang="en-US" dirty="0"/>
-              <a:t>Q2: What's the rate of the employees that have 'education' higher than 2 and '</a:t>
+              <a:t>Q5 What's the difference of these 4 rates in 2016 and 2020?</a:t>
+            </a:r>
+          </a:p>
+          <a:p>
+            <a:endParaRPr lang="en-US" dirty="0"/>
+          </a:p>
+          <a:p>
+            <a:endParaRPr lang="en-US" dirty="0"/>
+          </a:p>
+          <a:p>
+            <a:endParaRPr lang="en-US" dirty="0"/>
+          </a:p>
+          <a:p>
+            <a:r>
+              <a:rPr lang="en-US" dirty="0"/>
+              <a:t>In Q5 I just use the second data which is the IBM employee sample in 2016. I turn the data in to </a:t>
             </a:r>
             <a:r>
               <a:rPr lang="en-US" dirty="0" err="1"/>
-              <a:t>YearsAtCompany</a:t>
+              <a:t>pandas.DataFrame</a:t>
             </a:r>
             <a:r>
               <a:rPr lang="en-US" dirty="0"/>
-              <a:t>' over than5?</a:t>
-            </a:r>
-          </a:p>
-          <a:p>
-            <a:endParaRPr lang="en-US" dirty="0"/>
-          </a:p>
-          <a:p>
-            <a:endParaRPr lang="en-US" dirty="0"/>
-          </a:p>
-          <a:p>
-            <a:endParaRPr lang="en-US" dirty="0"/>
-          </a:p>
-          <a:p>
-            <a:r>
-              <a:rPr lang="en-US" dirty="0"/>
-              <a:t>53.78%</a:t>
+              <a:t>. </a:t>
             </a:r>
           </a:p>
         </p:txBody>
@@ -7722,7 +7795,7 @@
     </p:spTree>
     <p:extLst>
       <p:ext uri="{BB962C8B-B14F-4D97-AF65-F5344CB8AC3E}">
-        <p14:creationId xmlns:p14="http://schemas.microsoft.com/office/powerpoint/2010/main" val="1801958252"/>
+        <p14:creationId xmlns:p14="http://schemas.microsoft.com/office/powerpoint/2010/main" val="3336011888"/>
       </p:ext>
     </p:extLst>
   </p:cSld>
@@ -7754,7 +7827,7 @@
           <p:cNvPr id="2" name="Title 1">
             <a:extLst>
               <a:ext uri="{FF2B5EF4-FFF2-40B4-BE49-F238E27FC236}">
-                <a16:creationId xmlns:a16="http://schemas.microsoft.com/office/drawing/2014/main" id="{E748CE26-D71C-400C-AF39-D17697377835}"/>
+                <a16:creationId xmlns:a16="http://schemas.microsoft.com/office/drawing/2014/main" id="{E6019834-7C4D-4373-94CB-7341D165D39F}"/>
               </a:ext>
             </a:extLst>
           </p:cNvPr>
@@ -7772,7 +7845,7 @@
           <a:p>
             <a:r>
               <a:rPr lang="en-US" dirty="0"/>
-              <a:t>Research questions</a:t>
+              <a:t>Research questions:</a:t>
             </a:r>
           </a:p>
         </p:txBody>
@@ -7782,7 +7855,7 @@
           <p:cNvPr id="3" name="Content Placeholder 2">
             <a:extLst>
               <a:ext uri="{FF2B5EF4-FFF2-40B4-BE49-F238E27FC236}">
-                <a16:creationId xmlns:a16="http://schemas.microsoft.com/office/drawing/2014/main" id="{02784018-21B7-4588-9122-807EF23646BB}"/>
+                <a16:creationId xmlns:a16="http://schemas.microsoft.com/office/drawing/2014/main" id="{65A0DB0B-6CD0-4885-B0BD-00942BF37E24}"/>
               </a:ext>
             </a:extLst>
           </p:cNvPr>
@@ -7799,37 +7872,55 @@
           <a:lstStyle/>
           <a:p>
             <a:r>
-              <a:rPr lang="en-US" dirty="0"/>
-              <a:t>Q3 What's the rate of those attrition employees whose '</a:t>
-            </a:r>
-            <a:r>
-              <a:rPr lang="en-US" dirty="0" err="1"/>
-              <a:t>MaritalStatus</a:t>
-            </a:r>
-            <a:r>
-              <a:rPr lang="en-US" dirty="0"/>
-              <a:t>' are single?</a:t>
-            </a:r>
-          </a:p>
-          <a:p>
-            <a:endParaRPr lang="en-US" dirty="0"/>
-          </a:p>
-          <a:p>
-            <a:endParaRPr lang="en-US" dirty="0"/>
-          </a:p>
-          <a:p>
-            <a:endParaRPr lang="en-US" dirty="0"/>
-          </a:p>
-          <a:p>
-            <a:r>
-              <a:rPr lang="en-US" dirty="0"/>
-              <a:t>52.51%</a:t>
-            </a:r>
-          </a:p>
-          <a:p>
-            <a:endParaRPr lang="en-US" dirty="0"/>
-          </a:p>
-          <a:p>
+              <a:rPr lang="en-US" b="0" i="0" dirty="0">
+                <a:solidFill>
+                  <a:srgbClr val="000000"/>
+                </a:solidFill>
+                <a:effectLst/>
+                <a:latin typeface="Helvetica Neue"/>
+              </a:rPr>
+              <a:t>Comparing the 2020's analysis and 2016's analysis, we can see that the rate of the employees that have '</a:t>
+            </a:r>
+            <a:r>
+              <a:rPr lang="en-US" b="0" i="0" dirty="0" err="1">
+                <a:solidFill>
+                  <a:srgbClr val="000000"/>
+                </a:solidFill>
+                <a:effectLst/>
+                <a:latin typeface="Helvetica Neue"/>
+              </a:rPr>
+              <a:t>YearsAtCompany</a:t>
+            </a:r>
+            <a:r>
+              <a:rPr lang="en-US" b="0" i="0" dirty="0">
+                <a:solidFill>
+                  <a:srgbClr val="000000"/>
+                </a:solidFill>
+                <a:effectLst/>
+                <a:latin typeface="Helvetica Neue"/>
+              </a:rPr>
+              <a:t>' more than 5 years increased 7.7%. That mean there are more employees who choose to stay longer in this company. And the rate of employees with education level higher than college and stayed in this company more than 5 years decreased about 2%. That means the education level structure in this company are really stable. The rate of the attrition employees who are single increased 2%. And the rate of those </a:t>
+            </a:r>
+            <a:r>
+              <a:rPr lang="en-US" b="0" i="0" dirty="0" err="1">
+                <a:solidFill>
+                  <a:srgbClr val="000000"/>
+                </a:solidFill>
+                <a:effectLst/>
+                <a:latin typeface="Helvetica Neue"/>
+              </a:rPr>
+              <a:t>trrition</a:t>
+            </a:r>
+            <a:r>
+              <a:rPr lang="en-US" b="0" i="0" dirty="0">
+                <a:solidFill>
+                  <a:srgbClr val="000000"/>
+                </a:solidFill>
+                <a:effectLst/>
+                <a:latin typeface="Helvetica Neue"/>
+              </a:rPr>
+              <a:t> employees' environment satisfaction increased 3%. According to these 2 changes, we can see that in these 4 years people's happiness in life and work is increasing.</a:t>
+            </a:r>
             <a:endParaRPr lang="en-US" dirty="0"/>
           </a:p>
           <a:p>
@@ -7840,7 +7931,7 @@
     </p:spTree>
     <p:extLst>
       <p:ext uri="{BB962C8B-B14F-4D97-AF65-F5344CB8AC3E}">
-        <p14:creationId xmlns:p14="http://schemas.microsoft.com/office/powerpoint/2010/main" val="3210948337"/>
+        <p14:creationId xmlns:p14="http://schemas.microsoft.com/office/powerpoint/2010/main" val="2099021073"/>
       </p:ext>
     </p:extLst>
   </p:cSld>
@@ -7872,7 +7963,7 @@
           <p:cNvPr id="2" name="Title 1">
             <a:extLst>
               <a:ext uri="{FF2B5EF4-FFF2-40B4-BE49-F238E27FC236}">
-                <a16:creationId xmlns:a16="http://schemas.microsoft.com/office/drawing/2014/main" id="{F027270B-248B-4811-BDE1-EF7384398EDD}"/>
+                <a16:creationId xmlns:a16="http://schemas.microsoft.com/office/drawing/2014/main" id="{ED47705A-7247-43D8-963A-5A62DAF08AB3}"/>
               </a:ext>
             </a:extLst>
           </p:cNvPr>
@@ -7890,7 +7981,7 @@
           <a:p>
             <a:r>
               <a:rPr lang="en-US" dirty="0"/>
-              <a:t>Research questions</a:t>
+              <a:t>Difficulties</a:t>
             </a:r>
           </a:p>
         </p:txBody>
@@ -7900,7 +7991,7 @@
           <p:cNvPr id="3" name="Content Placeholder 2">
             <a:extLst>
               <a:ext uri="{FF2B5EF4-FFF2-40B4-BE49-F238E27FC236}">
-                <a16:creationId xmlns:a16="http://schemas.microsoft.com/office/drawing/2014/main" id="{8C90CA21-CBE4-4431-A9C4-C12C35C34D88}"/>
+                <a16:creationId xmlns:a16="http://schemas.microsoft.com/office/drawing/2014/main" id="{A141A4AF-1032-47F0-B119-877F7F0031F7}"/>
               </a:ext>
             </a:extLst>
           </p:cNvPr>
@@ -7918,38 +8009,32 @@
           <a:p>
             <a:r>
               <a:rPr lang="en-US" dirty="0"/>
-              <a:t>Q4 what's the rate of those attrition employees whose '</a:t>
+              <a:t>I did a lot of research on how to use the Kaggle API.</a:t>
+            </a:r>
+          </a:p>
+          <a:p>
+            <a:r>
+              <a:rPr lang="en-US" dirty="0"/>
+              <a:t>And When I wrote my proposal I didn’t even know what is </a:t>
             </a:r>
             <a:r>
               <a:rPr lang="en-US" dirty="0" err="1"/>
-              <a:t>EnvironmentSatisfaction</a:t>
+              <a:t>Pandas_profiling</a:t>
             </a:r>
             <a:r>
               <a:rPr lang="en-US" dirty="0"/>
-              <a:t>' are lower than 3?</a:t>
+              <a:t>. I also spent 2-3 hours on learning how to use it and how to interpret it.</a:t>
             </a:r>
           </a:p>
           <a:p>
             <a:endParaRPr lang="en-US" dirty="0"/>
-          </a:p>
-          <a:p>
-            <a:endParaRPr lang="en-US" dirty="0"/>
-          </a:p>
-          <a:p>
-            <a:endParaRPr lang="en-US" dirty="0"/>
-          </a:p>
-          <a:p>
-            <a:r>
-              <a:rPr lang="en-US" dirty="0"/>
-              <a:t>77.65%</a:t>
-            </a:r>
           </a:p>
         </p:txBody>
       </p:sp>
     </p:spTree>
     <p:extLst>
       <p:ext uri="{BB962C8B-B14F-4D97-AF65-F5344CB8AC3E}">
-        <p14:creationId xmlns:p14="http://schemas.microsoft.com/office/powerpoint/2010/main" val="336978776"/>
+        <p14:creationId xmlns:p14="http://schemas.microsoft.com/office/powerpoint/2010/main" val="14204384"/>
       </p:ext>
     </p:extLst>
   </p:cSld>
@@ -7960,253 +8045,6 @@
 </file>
 
 <file path=ppt/slides/slide14.xml><?xml version="1.0" encoding="utf-8"?>
-<p:sld xmlns:a="http://schemas.openxmlformats.org/drawingml/2006/main" xmlns:r="http://schemas.openxmlformats.org/officeDocument/2006/relationships" xmlns:p="http://schemas.openxmlformats.org/presentationml/2006/main">
-  <p:cSld>
-    <p:spTree>
-      <p:nvGrpSpPr>
-        <p:cNvPr id="1" name=""/>
-        <p:cNvGrpSpPr/>
-        <p:nvPr/>
-      </p:nvGrpSpPr>
-      <p:grpSpPr>
-        <a:xfrm>
-          <a:off x="0" y="0"/>
-          <a:ext cx="0" cy="0"/>
-          <a:chOff x="0" y="0"/>
-          <a:chExt cx="0" cy="0"/>
-        </a:xfrm>
-      </p:grpSpPr>
-      <p:sp>
-        <p:nvSpPr>
-          <p:cNvPr id="2" name="Title 1">
-            <a:extLst>
-              <a:ext uri="{FF2B5EF4-FFF2-40B4-BE49-F238E27FC236}">
-                <a16:creationId xmlns:a16="http://schemas.microsoft.com/office/drawing/2014/main" id="{121677D3-8FD1-4E27-AA00-5027C475E339}"/>
-              </a:ext>
-            </a:extLst>
-          </p:cNvPr>
-          <p:cNvSpPr>
-            <a:spLocks noGrp="1"/>
-          </p:cNvSpPr>
-          <p:nvPr>
-            <p:ph type="title"/>
-          </p:nvPr>
-        </p:nvSpPr>
-        <p:spPr/>
-        <p:txBody>
-          <a:bodyPr/>
-          <a:lstStyle/>
-          <a:p>
-            <a:r>
-              <a:rPr lang="en-US" dirty="0"/>
-              <a:t>Research questions</a:t>
-            </a:r>
-          </a:p>
-        </p:txBody>
-      </p:sp>
-      <p:sp>
-        <p:nvSpPr>
-          <p:cNvPr id="3" name="Content Placeholder 2">
-            <a:extLst>
-              <a:ext uri="{FF2B5EF4-FFF2-40B4-BE49-F238E27FC236}">
-                <a16:creationId xmlns:a16="http://schemas.microsoft.com/office/drawing/2014/main" id="{C538FB92-36AC-46BE-B7A2-775C09C32E1B}"/>
-              </a:ext>
-            </a:extLst>
-          </p:cNvPr>
-          <p:cNvSpPr>
-            <a:spLocks noGrp="1"/>
-          </p:cNvSpPr>
-          <p:nvPr>
-            <p:ph idx="1"/>
-          </p:nvPr>
-        </p:nvSpPr>
-        <p:spPr/>
-        <p:txBody>
-          <a:bodyPr>
-            <a:normAutofit/>
-          </a:bodyPr>
-          <a:lstStyle/>
-          <a:p>
-            <a:r>
-              <a:rPr lang="en-US" dirty="0"/>
-              <a:t>Q5 What's the difference of these 4 rates in 2016 and 2020?</a:t>
-            </a:r>
-          </a:p>
-          <a:p>
-            <a:endParaRPr lang="en-US" dirty="0"/>
-          </a:p>
-          <a:p>
-            <a:endParaRPr lang="en-US" dirty="0"/>
-          </a:p>
-          <a:p>
-            <a:endParaRPr lang="en-US" dirty="0"/>
-          </a:p>
-          <a:p>
-            <a:r>
-              <a:rPr lang="en-US" dirty="0"/>
-              <a:t>In Q5 I just use the second data which is the IBM employee sample in 2016. I turn the data in to </a:t>
-            </a:r>
-            <a:r>
-              <a:rPr lang="en-US" dirty="0" err="1"/>
-              <a:t>pandas.DataFrame</a:t>
-            </a:r>
-            <a:r>
-              <a:rPr lang="en-US" dirty="0"/>
-              <a:t>. </a:t>
-            </a:r>
-          </a:p>
-        </p:txBody>
-      </p:sp>
-    </p:spTree>
-    <p:extLst>
-      <p:ext uri="{BB962C8B-B14F-4D97-AF65-F5344CB8AC3E}">
-        <p14:creationId xmlns:p14="http://schemas.microsoft.com/office/powerpoint/2010/main" val="3336011888"/>
-      </p:ext>
-    </p:extLst>
-  </p:cSld>
-  <p:clrMapOvr>
-    <a:masterClrMapping/>
-  </p:clrMapOvr>
-</p:sld>
-</file>
-
-<file path=ppt/slides/slide15.xml><?xml version="1.0" encoding="utf-8"?>
-<p:sld xmlns:a="http://schemas.openxmlformats.org/drawingml/2006/main" xmlns:r="http://schemas.openxmlformats.org/officeDocument/2006/relationships" xmlns:p="http://schemas.openxmlformats.org/presentationml/2006/main">
-  <p:cSld>
-    <p:spTree>
-      <p:nvGrpSpPr>
-        <p:cNvPr id="1" name=""/>
-        <p:cNvGrpSpPr/>
-        <p:nvPr/>
-      </p:nvGrpSpPr>
-      <p:grpSpPr>
-        <a:xfrm>
-          <a:off x="0" y="0"/>
-          <a:ext cx="0" cy="0"/>
-          <a:chOff x="0" y="0"/>
-          <a:chExt cx="0" cy="0"/>
-        </a:xfrm>
-      </p:grpSpPr>
-      <p:sp>
-        <p:nvSpPr>
-          <p:cNvPr id="2" name="Title 1">
-            <a:extLst>
-              <a:ext uri="{FF2B5EF4-FFF2-40B4-BE49-F238E27FC236}">
-                <a16:creationId xmlns:a16="http://schemas.microsoft.com/office/drawing/2014/main" id="{E6019834-7C4D-4373-94CB-7341D165D39F}"/>
-              </a:ext>
-            </a:extLst>
-          </p:cNvPr>
-          <p:cNvSpPr>
-            <a:spLocks noGrp="1"/>
-          </p:cNvSpPr>
-          <p:nvPr>
-            <p:ph type="title"/>
-          </p:nvPr>
-        </p:nvSpPr>
-        <p:spPr/>
-        <p:txBody>
-          <a:bodyPr/>
-          <a:lstStyle/>
-          <a:p>
-            <a:r>
-              <a:rPr lang="en-US" dirty="0"/>
-              <a:t>Research questions:</a:t>
-            </a:r>
-          </a:p>
-        </p:txBody>
-      </p:sp>
-      <p:sp>
-        <p:nvSpPr>
-          <p:cNvPr id="3" name="Content Placeholder 2">
-            <a:extLst>
-              <a:ext uri="{FF2B5EF4-FFF2-40B4-BE49-F238E27FC236}">
-                <a16:creationId xmlns:a16="http://schemas.microsoft.com/office/drawing/2014/main" id="{65A0DB0B-6CD0-4885-B0BD-00942BF37E24}"/>
-              </a:ext>
-            </a:extLst>
-          </p:cNvPr>
-          <p:cNvSpPr>
-            <a:spLocks noGrp="1"/>
-          </p:cNvSpPr>
-          <p:nvPr>
-            <p:ph idx="1"/>
-          </p:nvPr>
-        </p:nvSpPr>
-        <p:spPr/>
-        <p:txBody>
-          <a:bodyPr/>
-          <a:lstStyle/>
-          <a:p>
-            <a:r>
-              <a:rPr lang="en-US" b="0" i="0" dirty="0">
-                <a:solidFill>
-                  <a:srgbClr val="000000"/>
-                </a:solidFill>
-                <a:effectLst/>
-                <a:latin typeface="Helvetica Neue"/>
-              </a:rPr>
-              <a:t>Comparing the 2020's analysis and 2016's analysis, we can see that the rate of the employees that have '</a:t>
-            </a:r>
-            <a:r>
-              <a:rPr lang="en-US" b="0" i="0" dirty="0" err="1">
-                <a:solidFill>
-                  <a:srgbClr val="000000"/>
-                </a:solidFill>
-                <a:effectLst/>
-                <a:latin typeface="Helvetica Neue"/>
-              </a:rPr>
-              <a:t>YearsAtCompany</a:t>
-            </a:r>
-            <a:r>
-              <a:rPr lang="en-US" b="0" i="0" dirty="0">
-                <a:solidFill>
-                  <a:srgbClr val="000000"/>
-                </a:solidFill>
-                <a:effectLst/>
-                <a:latin typeface="Helvetica Neue"/>
-              </a:rPr>
-              <a:t>' more than 5 years increased 7.7%. That mean there are more employees who choose to stay longer in this company. And the rate of employees with education level higher than college and stayed in this company more than 5 years decreased about 2%. That means the education level structure in this company are really stable. The rate of the attrition employees who are single increased 2%. And the rate of those </a:t>
-            </a:r>
-            <a:r>
-              <a:rPr lang="en-US" b="0" i="0" dirty="0" err="1">
-                <a:solidFill>
-                  <a:srgbClr val="000000"/>
-                </a:solidFill>
-                <a:effectLst/>
-                <a:latin typeface="Helvetica Neue"/>
-              </a:rPr>
-              <a:t>trrition</a:t>
-            </a:r>
-            <a:r>
-              <a:rPr lang="en-US" b="0" i="0" dirty="0">
-                <a:solidFill>
-                  <a:srgbClr val="000000"/>
-                </a:solidFill>
-                <a:effectLst/>
-                <a:latin typeface="Helvetica Neue"/>
-              </a:rPr>
-              <a:t> employees' environment satisfaction increased 3%. According to these 2 changes, we can see that in these 4 years people's happiness in life and work is increasing.</a:t>
-            </a:r>
-            <a:endParaRPr lang="en-US" dirty="0"/>
-          </a:p>
-          <a:p>
-            <a:endParaRPr lang="en-US" dirty="0"/>
-          </a:p>
-        </p:txBody>
-      </p:sp>
-    </p:spTree>
-    <p:extLst>
-      <p:ext uri="{BB962C8B-B14F-4D97-AF65-F5344CB8AC3E}">
-        <p14:creationId xmlns:p14="http://schemas.microsoft.com/office/powerpoint/2010/main" val="2099021073"/>
-      </p:ext>
-    </p:extLst>
-  </p:cSld>
-  <p:clrMapOvr>
-    <a:masterClrMapping/>
-  </p:clrMapOvr>
-</p:sld>
-</file>
-
-<file path=ppt/slides/slide16.xml><?xml version="1.0" encoding="utf-8"?>
 <p:sld xmlns:a="http://schemas.openxmlformats.org/drawingml/2006/main" xmlns:r="http://schemas.openxmlformats.org/officeDocument/2006/relationships" xmlns:p="http://schemas.openxmlformats.org/presentationml/2006/main">
   <p:cSld>
     <p:spTree>
@@ -8293,7 +8131,7 @@
 </p:sld>
 </file>
 
-<file path=ppt/slides/slide17.xml><?xml version="1.0" encoding="utf-8"?>
+<file path=ppt/slides/slide15.xml><?xml version="1.0" encoding="utf-8"?>
 <p:sld xmlns:a="http://schemas.openxmlformats.org/drawingml/2006/main" xmlns:r="http://schemas.openxmlformats.org/officeDocument/2006/relationships" xmlns:p="http://schemas.openxmlformats.org/presentationml/2006/main">
   <p:cSld>
     <p:spTree>
@@ -8434,7 +8272,7 @@
 </p:sld>
 </file>
 
-<file path=ppt/slides/slide18.xml><?xml version="1.0" encoding="utf-8"?>
+<file path=ppt/slides/slide16.xml><?xml version="1.0" encoding="utf-8"?>
 <p:sld xmlns:a="http://schemas.openxmlformats.org/drawingml/2006/main" xmlns:r="http://schemas.openxmlformats.org/officeDocument/2006/relationships" xmlns:p="http://schemas.openxmlformats.org/presentationml/2006/main">
   <p:cSld>
     <p:spTree>

--- a/Final project Data/Final Project Presentation.pptx
+++ b/Final project Data/Final Project Presentation.pptx
@@ -212,7 +212,7 @@
           <a:p>
             <a:fld id="{7210D002-3EEC-44C5-9A92-D9BC450185F3}" type="datetimeFigureOut">
               <a:rPr lang="en-US" smtClean="0"/>
-              <a:t>12/17/2020</a:t>
+              <a:t>12/21/2020</a:t>
             </a:fld>
             <a:endParaRPr lang="en-US"/>
           </a:p>
@@ -1380,7 +1380,7 @@
           <a:p>
             <a:fld id="{D6D0F569-AC90-44EB-9EF4-4E5C2F5D823C}" type="datetime1">
               <a:rPr lang="en-US" smtClean="0"/>
-              <a:t>12/17/2020</a:t>
+              <a:t>12/21/2020</a:t>
             </a:fld>
             <a:endParaRPr lang="en-US" dirty="0"/>
           </a:p>
@@ -1636,7 +1636,7 @@
             <a:fld id="{5ECD8B30-1B71-45A1-8314-D59C86F581E1}" type="datetime1">
               <a:rPr lang="en-US" smtClean="0"/>
               <a:pPr/>
-              <a:t>12/17/2020</a:t>
+              <a:t>12/21/2020</a:t>
             </a:fld>
             <a:endParaRPr lang="en-US" b="1" dirty="0"/>
           </a:p>
@@ -1957,7 +1957,7 @@
             <a:fld id="{5ECD8B30-1B71-45A1-8314-D59C86F581E1}" type="datetime1">
               <a:rPr lang="en-US" smtClean="0"/>
               <a:pPr/>
-              <a:t>12/17/2020</a:t>
+              <a:t>12/21/2020</a:t>
             </a:fld>
             <a:endParaRPr lang="en-US" b="1" dirty="0"/>
           </a:p>
@@ -2305,7 +2305,7 @@
             <a:fld id="{5ECD8B30-1B71-45A1-8314-D59C86F581E1}" type="datetime1">
               <a:rPr lang="en-US" smtClean="0"/>
               <a:pPr/>
-              <a:t>12/17/2020</a:t>
+              <a:t>12/21/2020</a:t>
             </a:fld>
             <a:endParaRPr lang="en-US" b="1" dirty="0"/>
           </a:p>
@@ -2626,7 +2626,7 @@
             <a:fld id="{5ECD8B30-1B71-45A1-8314-D59C86F581E1}" type="datetime1">
               <a:rPr lang="en-US" smtClean="0"/>
               <a:pPr/>
-              <a:t>12/17/2020</a:t>
+              <a:t>12/21/2020</a:t>
             </a:fld>
             <a:endParaRPr lang="en-US" b="1" dirty="0"/>
           </a:p>
@@ -3026,7 +3026,7 @@
             <a:fld id="{5ECD8B30-1B71-45A1-8314-D59C86F581E1}" type="datetime1">
               <a:rPr lang="en-US" smtClean="0"/>
               <a:pPr/>
-              <a:t>12/17/2020</a:t>
+              <a:t>12/21/2020</a:t>
             </a:fld>
             <a:endParaRPr lang="en-US" b="1" dirty="0"/>
           </a:p>
@@ -3202,7 +3202,7 @@
           <a:p>
             <a:fld id="{46BA7D41-E8B7-4A0B-B861-3EC4AE88917D}" type="datetime1">
               <a:rPr lang="en-US" smtClean="0"/>
-              <a:t>12/17/2020</a:t>
+              <a:t>12/21/2020</a:t>
             </a:fld>
             <a:endParaRPr lang="en-US" dirty="0"/>
           </a:p>
@@ -3386,7 +3386,7 @@
           <a:p>
             <a:fld id="{A7C34823-0B19-4B4E-A643-7A3B0A3D24D6}" type="datetime1">
               <a:rPr lang="en-US" smtClean="0"/>
-              <a:t>12/17/2020</a:t>
+              <a:t>12/21/2020</a:t>
             </a:fld>
             <a:endParaRPr lang="en-US" dirty="0"/>
           </a:p>
@@ -3566,7 +3566,7 @@
           <a:p>
             <a:fld id="{8C2D79EF-17C8-45D8-9866-DAF5723FC604}" type="datetime1">
               <a:rPr lang="en-US" smtClean="0"/>
-              <a:t>12/17/2020</a:t>
+              <a:t>12/21/2020</a:t>
             </a:fld>
             <a:endParaRPr lang="en-US" dirty="0"/>
           </a:p>
@@ -3817,7 +3817,7 @@
           <a:p>
             <a:fld id="{DFFC2ADC-3680-4013-A757-E4663495DB98}" type="datetime1">
               <a:rPr lang="en-US" smtClean="0"/>
-              <a:t>12/17/2020</a:t>
+              <a:t>12/21/2020</a:t>
             </a:fld>
             <a:endParaRPr lang="en-US" dirty="0"/>
           </a:p>
@@ -4053,7 +4053,7 @@
           <a:p>
             <a:fld id="{4751BA94-5DCA-4F19-960F-0FB2BD5EE85A}" type="datetime1">
               <a:rPr lang="en-US" smtClean="0"/>
-              <a:t>12/17/2020</a:t>
+              <a:t>12/21/2020</a:t>
             </a:fld>
             <a:endParaRPr lang="en-US" dirty="0"/>
           </a:p>
@@ -4431,7 +4431,7 @@
           <a:p>
             <a:fld id="{01BED947-38D9-44AC-8B89-E79758333B77}" type="datetime1">
               <a:rPr lang="en-US" smtClean="0"/>
-              <a:t>12/17/2020</a:t>
+              <a:t>12/21/2020</a:t>
             </a:fld>
             <a:endParaRPr lang="en-US" dirty="0"/>
           </a:p>
@@ -4558,7 +4558,7 @@
           <a:p>
             <a:fld id="{3781E23F-BD3C-4F23-B116-2B758120C8AC}" type="datetime1">
               <a:rPr lang="en-US" smtClean="0"/>
-              <a:t>12/17/2020</a:t>
+              <a:t>12/21/2020</a:t>
             </a:fld>
             <a:endParaRPr lang="en-US" dirty="0"/>
           </a:p>
@@ -4657,7 +4657,7 @@
           <a:p>
             <a:fld id="{473CFAA9-6D59-4D98-869E-ACBDB83B2CA4}" type="datetime1">
               <a:rPr lang="en-US" smtClean="0"/>
-              <a:t>12/17/2020</a:t>
+              <a:t>12/21/2020</a:t>
             </a:fld>
             <a:endParaRPr lang="en-US"/>
           </a:p>
@@ -4916,7 +4916,7 @@
           <a:p>
             <a:fld id="{DC410804-27E3-430A-BB42-B831260DE39A}" type="datetime1">
               <a:rPr lang="en-US" smtClean="0"/>
-              <a:t>12/17/2020</a:t>
+              <a:t>12/21/2020</a:t>
             </a:fld>
             <a:endParaRPr lang="en-US" dirty="0"/>
           </a:p>
@@ -5183,7 +5183,7 @@
           <a:p>
             <a:fld id="{60E22DE3-3D1A-4D53-B9A6-6C7463B8C992}" type="datetime1">
               <a:rPr lang="en-US" smtClean="0"/>
-              <a:t>12/17/2020</a:t>
+              <a:t>12/21/2020</a:t>
             </a:fld>
             <a:endParaRPr lang="en-US" dirty="0"/>
           </a:p>
@@ -5931,7 +5931,7 @@
             <a:fld id="{5ECD8B30-1B71-45A1-8314-D59C86F581E1}" type="datetime1">
               <a:rPr lang="en-US" smtClean="0"/>
               <a:pPr/>
-              <a:t>12/17/2020</a:t>
+              <a:t>12/21/2020</a:t>
             </a:fld>
             <a:endParaRPr lang="en-US" b="1" dirty="0"/>
           </a:p>
@@ -7899,17 +7899,17 @@
                 <a:effectLst/>
                 <a:latin typeface="Helvetica Neue"/>
               </a:rPr>
-              <a:t>' more than 5 years increased 7.7%. That mean there are more employees who choose to stay longer in this company. And the rate of employees with education level higher than college and stayed in this company more than 5 years decreased about 2%. That means the education level structure in this company are really stable. The rate of the attrition employees who are single increased 2%. And the rate of those </a:t>
-            </a:r>
-            <a:r>
-              <a:rPr lang="en-US" b="0" i="0" dirty="0" err="1">
+              <a:t>' more than 5 years increased 7.7%. That mean there are more employees who choose to stay longer in this company. And the rate of employees with education level higher than college and stayed in this company more than 5 years decreased about 2%. That means the education level structure in this company are stable. The rate of the attrition employees who are single increased 2%. And the rate of those </a:t>
+            </a:r>
+            <a:r>
+              <a:rPr lang="en-US" altLang="zh-CN" b="0" i="0" dirty="0">
                 <a:solidFill>
                   <a:srgbClr val="000000"/>
                 </a:solidFill>
                 <a:effectLst/>
                 <a:latin typeface="Helvetica Neue"/>
               </a:rPr>
-              <a:t>trrition</a:t>
+              <a:t>a</a:t>
             </a:r>
             <a:r>
               <a:rPr lang="en-US" b="0" i="0" dirty="0">
@@ -7919,7 +7919,7 @@
                 <a:effectLst/>
                 <a:latin typeface="Helvetica Neue"/>
               </a:rPr>
-              <a:t> employees' environment satisfaction increased 3%. According to these 2 changes, we can see that in these 4 years people's happiness in life and work is increasing.</a:t>
+              <a:t>ttrition employees' environment satisfaction increased 3%. According to these 2 changes, we can see that in these 4 years people's happiness in life and work is increasing.</a:t>
             </a:r>
             <a:endParaRPr lang="en-US" dirty="0"/>
           </a:p>
@@ -8220,11 +8220,18 @@
                 <a:effectLst/>
                 <a:latin typeface="Helvetica Neue"/>
               </a:rPr>
-              <a:t>According to the Pearson's correlation plot, we can know that The Age, Environment satisfaction, Job involvement, Monthly income, Stok option level, Total Working years, Years at company, Years in current role, and Years with current manager are positive related to the attrition. The top 5 of them are Job level, Job involvement, Monthly income, Stock option level, and Year's in current role.</a:t>
-            </a:r>
-            <a:br>
-              <a:rPr lang="en-US" dirty="0"/>
-            </a:br>
+              <a:t>According to the Pearson's correlation plot, we can know that The Age, Environment satisfaction, Job involvement, Monthly income, Stock option level, Total Working years, Years at company, Years in current role, and Years with current manager are positive related to the attrition. The top 5 of them are Job level, Job involvement, Monthly income, Stock option level, </a:t>
+            </a:r>
+            <a:r>
+              <a:rPr lang="en-US" b="0" i="0">
+                <a:solidFill>
+                  <a:srgbClr val="000000"/>
+                </a:solidFill>
+                <a:effectLst/>
+                <a:latin typeface="Helvetica Neue"/>
+              </a:rPr>
+              <a:t>and Years </a:t>
+            </a:r>
             <a:r>
               <a:rPr lang="en-US" b="0" i="0" dirty="0">
                 <a:solidFill>
@@ -8233,18 +8240,11 @@
                 <a:effectLst/>
                 <a:latin typeface="Helvetica Neue"/>
               </a:rPr>
-              <a:t>In conclusion we can say that after these analysis above we finally figure out the top 5 factors that can lead to employee </a:t>
-            </a:r>
-            <a:r>
-              <a:rPr lang="en-US" b="0" i="0" dirty="0" err="1">
-                <a:solidFill>
-                  <a:srgbClr val="000000"/>
-                </a:solidFill>
-                <a:effectLst/>
-                <a:latin typeface="Helvetica Neue"/>
-              </a:rPr>
-              <a:t>quiting</a:t>
-            </a:r>
+              <a:t>in current role.</a:t>
+            </a:r>
+            <a:br>
+              <a:rPr lang="en-US" dirty="0"/>
+            </a:br>
             <a:r>
               <a:rPr lang="en-US" b="0" i="0" dirty="0">
                 <a:solidFill>
@@ -8253,7 +8253,7 @@
                 <a:effectLst/>
                 <a:latin typeface="Helvetica Neue"/>
               </a:rPr>
-              <a:t> a company.</a:t>
+              <a:t>In conclusion we can say that after these analysis above we finally figure out the top 5 factors that can lead to employee quitting a company.</a:t>
             </a:r>
             <a:endParaRPr lang="en-US" dirty="0"/>
           </a:p>
@@ -8447,7 +8447,7 @@
                 <a:effectLst/>
                 <a:latin typeface="Helvetica Neue"/>
               </a:rPr>
-              <a:t>This project aims to uncover the factors that lead to employee attrition and explore important questions. Attrition is a problem that impacts all businesses, irrespective of geography, industry, and size of the company. Employee attrition leads to significant costs for a business, including the cost of business disruption, hiring new staff, and training new staff. I will use the IBM dataset to try to figure out the top five factors' lead to attrition. At last I am also going to find out how has it changed over this 4 years.</a:t>
+              <a:t>This project aims to uncover the factors that lead to employee attrition and explore important questions. Attrition is a problem that impacts all businesses, irrespective of geography, industry, and size of the company. Employee attrition leads to significant costs for a business, including the cost of business disruption, hiring new staff, and training new staff. I will use the IBM dataset to try to figure out the top five factors' lead to attrition. At last I am also going to find out how has it changed over these 4 years.</a:t>
             </a:r>
             <a:endParaRPr lang="en-US" sz="2400" dirty="0"/>
           </a:p>
@@ -8743,16 +8743,32 @@
           <a:lstStyle/>
           <a:p>
             <a:r>
-              <a:rPr lang="en-US">
+              <a:rPr lang="en-US" dirty="0">
                 <a:solidFill>
                   <a:schemeClr val="bg1"/>
                 </a:solidFill>
               </a:rPr>
-              <a:t>I choose 2 datasets from Kaggle. One of them is IBM employees sample in 2020.The other one is the IBM employees sample in 2016. These 2 datasets include similar contents. I downloaded the first dataset and turn it into pandas DataFrame.</a:t>
-            </a:r>
-          </a:p>
-          <a:p>
-            <a:endParaRPr lang="en-US">
+              <a:t>I choose 2 datasets from Kaggle. One of them is IBM employees' sample in 2020.The other one is the IBM employees' sample in 2016. These 2 datasets include similar contents. I downloaded the first dataset and turn it into pandas </a:t>
+            </a:r>
+            <a:r>
+              <a:rPr lang="en-US" dirty="0" err="1">
+                <a:solidFill>
+                  <a:schemeClr val="bg1"/>
+                </a:solidFill>
+              </a:rPr>
+              <a:t>DataFrame</a:t>
+            </a:r>
+            <a:r>
+              <a:rPr lang="en-US" dirty="0">
+                <a:solidFill>
+                  <a:schemeClr val="bg1"/>
+                </a:solidFill>
+              </a:rPr>
+              <a:t>.</a:t>
+            </a:r>
+          </a:p>
+          <a:p>
+            <a:endParaRPr lang="en-US" dirty="0">
               <a:solidFill>
                 <a:schemeClr val="bg1"/>
               </a:solidFill>

--- a/Final project Data/Final Project Presentation.pptx
+++ b/Final project Data/Final Project Presentation.pptx
@@ -212,7 +212,7 @@
           <a:p>
             <a:fld id="{7210D002-3EEC-44C5-9A92-D9BC450185F3}" type="datetimeFigureOut">
               <a:rPr lang="en-US" smtClean="0"/>
-              <a:t>12/21/2020</a:t>
+              <a:t>12/22/2020</a:t>
             </a:fld>
             <a:endParaRPr lang="en-US"/>
           </a:p>
@@ -1380,7 +1380,7 @@
           <a:p>
             <a:fld id="{D6D0F569-AC90-44EB-9EF4-4E5C2F5D823C}" type="datetime1">
               <a:rPr lang="en-US" smtClean="0"/>
-              <a:t>12/21/2020</a:t>
+              <a:t>12/22/2020</a:t>
             </a:fld>
             <a:endParaRPr lang="en-US" dirty="0"/>
           </a:p>
@@ -1636,7 +1636,7 @@
             <a:fld id="{5ECD8B30-1B71-45A1-8314-D59C86F581E1}" type="datetime1">
               <a:rPr lang="en-US" smtClean="0"/>
               <a:pPr/>
-              <a:t>12/21/2020</a:t>
+              <a:t>12/22/2020</a:t>
             </a:fld>
             <a:endParaRPr lang="en-US" b="1" dirty="0"/>
           </a:p>
@@ -1957,7 +1957,7 @@
             <a:fld id="{5ECD8B30-1B71-45A1-8314-D59C86F581E1}" type="datetime1">
               <a:rPr lang="en-US" smtClean="0"/>
               <a:pPr/>
-              <a:t>12/21/2020</a:t>
+              <a:t>12/22/2020</a:t>
             </a:fld>
             <a:endParaRPr lang="en-US" b="1" dirty="0"/>
           </a:p>
@@ -2305,7 +2305,7 @@
             <a:fld id="{5ECD8B30-1B71-45A1-8314-D59C86F581E1}" type="datetime1">
               <a:rPr lang="en-US" smtClean="0"/>
               <a:pPr/>
-              <a:t>12/21/2020</a:t>
+              <a:t>12/22/2020</a:t>
             </a:fld>
             <a:endParaRPr lang="en-US" b="1" dirty="0"/>
           </a:p>
@@ -2626,7 +2626,7 @@
             <a:fld id="{5ECD8B30-1B71-45A1-8314-D59C86F581E1}" type="datetime1">
               <a:rPr lang="en-US" smtClean="0"/>
               <a:pPr/>
-              <a:t>12/21/2020</a:t>
+              <a:t>12/22/2020</a:t>
             </a:fld>
             <a:endParaRPr lang="en-US" b="1" dirty="0"/>
           </a:p>
@@ -3026,7 +3026,7 @@
             <a:fld id="{5ECD8B30-1B71-45A1-8314-D59C86F581E1}" type="datetime1">
               <a:rPr lang="en-US" smtClean="0"/>
               <a:pPr/>
-              <a:t>12/21/2020</a:t>
+              <a:t>12/22/2020</a:t>
             </a:fld>
             <a:endParaRPr lang="en-US" b="1" dirty="0"/>
           </a:p>
@@ -3202,7 +3202,7 @@
           <a:p>
             <a:fld id="{46BA7D41-E8B7-4A0B-B861-3EC4AE88917D}" type="datetime1">
               <a:rPr lang="en-US" smtClean="0"/>
-              <a:t>12/21/2020</a:t>
+              <a:t>12/22/2020</a:t>
             </a:fld>
             <a:endParaRPr lang="en-US" dirty="0"/>
           </a:p>
@@ -3386,7 +3386,7 @@
           <a:p>
             <a:fld id="{A7C34823-0B19-4B4E-A643-7A3B0A3D24D6}" type="datetime1">
               <a:rPr lang="en-US" smtClean="0"/>
-              <a:t>12/21/2020</a:t>
+              <a:t>12/22/2020</a:t>
             </a:fld>
             <a:endParaRPr lang="en-US" dirty="0"/>
           </a:p>
@@ -3566,7 +3566,7 @@
           <a:p>
             <a:fld id="{8C2D79EF-17C8-45D8-9866-DAF5723FC604}" type="datetime1">
               <a:rPr lang="en-US" smtClean="0"/>
-              <a:t>12/21/2020</a:t>
+              <a:t>12/22/2020</a:t>
             </a:fld>
             <a:endParaRPr lang="en-US" dirty="0"/>
           </a:p>
@@ -3817,7 +3817,7 @@
           <a:p>
             <a:fld id="{DFFC2ADC-3680-4013-A757-E4663495DB98}" type="datetime1">
               <a:rPr lang="en-US" smtClean="0"/>
-              <a:t>12/21/2020</a:t>
+              <a:t>12/22/2020</a:t>
             </a:fld>
             <a:endParaRPr lang="en-US" dirty="0"/>
           </a:p>
@@ -4053,7 +4053,7 @@
           <a:p>
             <a:fld id="{4751BA94-5DCA-4F19-960F-0FB2BD5EE85A}" type="datetime1">
               <a:rPr lang="en-US" smtClean="0"/>
-              <a:t>12/21/2020</a:t>
+              <a:t>12/22/2020</a:t>
             </a:fld>
             <a:endParaRPr lang="en-US" dirty="0"/>
           </a:p>
@@ -4431,7 +4431,7 @@
           <a:p>
             <a:fld id="{01BED947-38D9-44AC-8B89-E79758333B77}" type="datetime1">
               <a:rPr lang="en-US" smtClean="0"/>
-              <a:t>12/21/2020</a:t>
+              <a:t>12/22/2020</a:t>
             </a:fld>
             <a:endParaRPr lang="en-US" dirty="0"/>
           </a:p>
@@ -4558,7 +4558,7 @@
           <a:p>
             <a:fld id="{3781E23F-BD3C-4F23-B116-2B758120C8AC}" type="datetime1">
               <a:rPr lang="en-US" smtClean="0"/>
-              <a:t>12/21/2020</a:t>
+              <a:t>12/22/2020</a:t>
             </a:fld>
             <a:endParaRPr lang="en-US" dirty="0"/>
           </a:p>
@@ -4657,7 +4657,7 @@
           <a:p>
             <a:fld id="{473CFAA9-6D59-4D98-869E-ACBDB83B2CA4}" type="datetime1">
               <a:rPr lang="en-US" smtClean="0"/>
-              <a:t>12/21/2020</a:t>
+              <a:t>12/22/2020</a:t>
             </a:fld>
             <a:endParaRPr lang="en-US"/>
           </a:p>
@@ -4916,7 +4916,7 @@
           <a:p>
             <a:fld id="{DC410804-27E3-430A-BB42-B831260DE39A}" type="datetime1">
               <a:rPr lang="en-US" smtClean="0"/>
-              <a:t>12/21/2020</a:t>
+              <a:t>12/22/2020</a:t>
             </a:fld>
             <a:endParaRPr lang="en-US" dirty="0"/>
           </a:p>
@@ -5183,7 +5183,7 @@
           <a:p>
             <a:fld id="{60E22DE3-3D1A-4D53-B9A6-6C7463B8C992}" type="datetime1">
               <a:rPr lang="en-US" smtClean="0"/>
-              <a:t>12/21/2020</a:t>
+              <a:t>12/22/2020</a:t>
             </a:fld>
             <a:endParaRPr lang="en-US" dirty="0"/>
           </a:p>
@@ -5931,7 +5931,7 @@
             <a:fld id="{5ECD8B30-1B71-45A1-8314-D59C86F581E1}" type="datetime1">
               <a:rPr lang="en-US" smtClean="0"/>
               <a:pPr/>
-              <a:t>12/21/2020</a:t>
+              <a:t>12/22/2020</a:t>
             </a:fld>
             <a:endParaRPr lang="en-US" b="1" dirty="0"/>
           </a:p>
